--- a/DONE/[done]PRMGT_Presentation.pptx
+++ b/DONE/[done]PRMGT_Presentation.pptx
@@ -288,7 +288,7 @@
           <a:p>
             <a:fld id="{48A87A34-81AB-432B-8DAE-1953F412C126}" type="datetimeFigureOut">
               <a:rPr lang="en-US" dirty="0"/>
-              <a:t>11-Sep-18</a:t>
+              <a:t>9/18/2018</a:t>
             </a:fld>
             <a:endParaRPr lang="en-US" dirty="0"/>
           </a:p>
@@ -494,7 +494,7 @@
           <a:p>
             <a:fld id="{48A87A34-81AB-432B-8DAE-1953F412C126}" type="datetimeFigureOut">
               <a:rPr lang="en-US" dirty="0"/>
-              <a:t>11-Sep-18</a:t>
+              <a:t>9/18/2018</a:t>
             </a:fld>
             <a:endParaRPr lang="en-US" dirty="0"/>
           </a:p>
@@ -704,7 +704,7 @@
           <a:p>
             <a:fld id="{48A87A34-81AB-432B-8DAE-1953F412C126}" type="datetimeFigureOut">
               <a:rPr lang="en-US" dirty="0"/>
-              <a:t>11-Sep-18</a:t>
+              <a:t>9/18/2018</a:t>
             </a:fld>
             <a:endParaRPr lang="en-US" dirty="0"/>
           </a:p>
@@ -900,7 +900,7 @@
           <a:p>
             <a:fld id="{48A87A34-81AB-432B-8DAE-1953F412C126}" type="datetimeFigureOut">
               <a:rPr lang="en-US" dirty="0"/>
-              <a:t>11-Sep-18</a:t>
+              <a:t>9/18/2018</a:t>
             </a:fld>
             <a:endParaRPr lang="en-US" dirty="0"/>
           </a:p>
@@ -1174,7 +1174,7 @@
           <a:p>
             <a:fld id="{48A87A34-81AB-432B-8DAE-1953F412C126}" type="datetimeFigureOut">
               <a:rPr lang="en-US" dirty="0"/>
-              <a:t>11-Sep-18</a:t>
+              <a:t>9/18/2018</a:t>
             </a:fld>
             <a:endParaRPr lang="en-US" dirty="0"/>
           </a:p>
@@ -1437,7 +1437,7 @@
           <a:p>
             <a:fld id="{48A87A34-81AB-432B-8DAE-1953F412C126}" type="datetimeFigureOut">
               <a:rPr lang="en-US" dirty="0"/>
-              <a:t>11-Sep-18</a:t>
+              <a:t>9/18/2018</a:t>
             </a:fld>
             <a:endParaRPr lang="en-US" dirty="0"/>
           </a:p>
@@ -1848,7 +1848,7 @@
           <a:p>
             <a:fld id="{48A87A34-81AB-432B-8DAE-1953F412C126}" type="datetimeFigureOut">
               <a:rPr lang="en-US" dirty="0"/>
-              <a:t>11-Sep-18</a:t>
+              <a:t>9/18/2018</a:t>
             </a:fld>
             <a:endParaRPr lang="en-US" dirty="0"/>
           </a:p>
@@ -1992,7 +1992,7 @@
           <a:p>
             <a:fld id="{48A87A34-81AB-432B-8DAE-1953F412C126}" type="datetimeFigureOut">
               <a:rPr lang="en-US" dirty="0"/>
-              <a:t>11-Sep-18</a:t>
+              <a:t>9/18/2018</a:t>
             </a:fld>
             <a:endParaRPr lang="en-US" dirty="0"/>
           </a:p>
@@ -2113,7 +2113,7 @@
           <a:p>
             <a:fld id="{48A87A34-81AB-432B-8DAE-1953F412C126}" type="datetimeFigureOut">
               <a:rPr lang="en-US" dirty="0"/>
-              <a:t>11-Sep-18</a:t>
+              <a:t>9/18/2018</a:t>
             </a:fld>
             <a:endParaRPr lang="en-US" dirty="0"/>
           </a:p>
@@ -2359,7 +2359,7 @@
           <a:p>
             <a:fld id="{48A87A34-81AB-432B-8DAE-1953F412C126}" type="datetimeFigureOut">
               <a:rPr lang="en-US" dirty="0"/>
-              <a:t>11-Sep-18</a:t>
+              <a:t>9/18/2018</a:t>
             </a:fld>
             <a:endParaRPr lang="en-US" dirty="0"/>
           </a:p>
@@ -2800,7 +2800,7 @@
             <a:fld id="{48A87A34-81AB-432B-8DAE-1953F412C126}" type="datetimeFigureOut">
               <a:rPr lang="en-US" dirty="0"/>
               <a:pPr/>
-              <a:t>11-Sep-18</a:t>
+              <a:t>9/18/2018</a:t>
             </a:fld>
             <a:endParaRPr lang="en-US" dirty="0"/>
           </a:p>
@@ -3122,7 +3122,7 @@
             <a:fld id="{48A87A34-81AB-432B-8DAE-1953F412C126}" type="datetimeFigureOut">
               <a:rPr lang="en-US" dirty="0"/>
               <a:pPr/>
-              <a:t>11-Sep-18</a:t>
+              <a:t>9/18/2018</a:t>
             </a:fld>
             <a:endParaRPr lang="en-US" dirty="0"/>
           </a:p>
@@ -22544,7 +22544,7 @@
         <p:spPr>
           <a:xfrm>
             <a:off x="318049" y="1541228"/>
-            <a:ext cx="10204175" cy="3046988"/>
+            <a:ext cx="10637334" cy="2554545"/>
           </a:xfrm>
           <a:prstGeom prst="rect">
             <a:avLst/>
@@ -22557,7 +22557,7 @@
           </a:bodyPr>
           <a:lstStyle/>
           <a:p>
-            <a:pPr marL="514350" indent="-514350">
+            <a:pPr marL="514350" indent="-514350" algn="just">
               <a:buFont typeface="Arial" panose="020B0604020202020204" pitchFamily="34" charset="0"/>
               <a:buChar char="•"/>
             </a:pPr>
@@ -22575,7 +22575,7 @@
             </a:r>
           </a:p>
           <a:p>
-            <a:pPr marL="971550" lvl="1" indent="-514350">
+            <a:pPr marL="971550" lvl="1" indent="-514350" algn="just">
               <a:buFont typeface="Wingdings" panose="05000000000000000000" pitchFamily="2" charset="2"/>
               <a:buChar char="ü"/>
             </a:pPr>
@@ -24361,7 +24361,7 @@
         </p:nvGraphicFramePr>
         <p:xfrm>
           <a:off x="702366" y="1416999"/>
-          <a:ext cx="5287620" cy="4572000"/>
+          <a:ext cx="5287620" cy="4228430"/>
         </p:xfrm>
         <a:graphic>
           <a:graphicData uri="http://schemas.openxmlformats.org/drawingml/2006/table">
